--- a/app/src/main/assets/어플_스토리보드.pptx
+++ b/app/src/main/assets/어플_스토리보드.pptx
@@ -203,7 +203,7 @@
           <a:p>
             <a:fld id="{F4847EC4-2D9C-48E1-930B-24A5E7588719}" type="datetimeFigureOut">
               <a:rPr lang="ko-KR" altLang="en-US" smtClean="0"/>
-              <a:t>2016-11-08</a:t>
+              <a:t>2016-11-09</a:t>
             </a:fld>
             <a:endParaRPr lang="ko-KR" altLang="en-US"/>
           </a:p>
@@ -1526,7 +1526,7 @@
           <a:p>
             <a:fld id="{DBE2C61E-289A-41F6-A129-12A884F40D14}" type="datetimeFigureOut">
               <a:rPr lang="ko-KR" altLang="en-US" smtClean="0"/>
-              <a:t>2016-11-08</a:t>
+              <a:t>2016-11-09</a:t>
             </a:fld>
             <a:endParaRPr lang="ko-KR" altLang="en-US"/>
           </a:p>
@@ -1696,7 +1696,7 @@
           <a:p>
             <a:fld id="{DBE2C61E-289A-41F6-A129-12A884F40D14}" type="datetimeFigureOut">
               <a:rPr lang="ko-KR" altLang="en-US" smtClean="0"/>
-              <a:t>2016-11-08</a:t>
+              <a:t>2016-11-09</a:t>
             </a:fld>
             <a:endParaRPr lang="ko-KR" altLang="en-US"/>
           </a:p>
@@ -1876,7 +1876,7 @@
           <a:p>
             <a:fld id="{DBE2C61E-289A-41F6-A129-12A884F40D14}" type="datetimeFigureOut">
               <a:rPr lang="ko-KR" altLang="en-US" smtClean="0"/>
-              <a:t>2016-11-08</a:t>
+              <a:t>2016-11-09</a:t>
             </a:fld>
             <a:endParaRPr lang="ko-KR" altLang="en-US"/>
           </a:p>
@@ -2046,7 +2046,7 @@
           <a:p>
             <a:fld id="{DBE2C61E-289A-41F6-A129-12A884F40D14}" type="datetimeFigureOut">
               <a:rPr lang="ko-KR" altLang="en-US" smtClean="0"/>
-              <a:t>2016-11-08</a:t>
+              <a:t>2016-11-09</a:t>
             </a:fld>
             <a:endParaRPr lang="ko-KR" altLang="en-US"/>
           </a:p>
@@ -2290,7 +2290,7 @@
           <a:p>
             <a:fld id="{DBE2C61E-289A-41F6-A129-12A884F40D14}" type="datetimeFigureOut">
               <a:rPr lang="ko-KR" altLang="en-US" smtClean="0"/>
-              <a:t>2016-11-08</a:t>
+              <a:t>2016-11-09</a:t>
             </a:fld>
             <a:endParaRPr lang="ko-KR" altLang="en-US"/>
           </a:p>
@@ -2522,7 +2522,7 @@
           <a:p>
             <a:fld id="{DBE2C61E-289A-41F6-A129-12A884F40D14}" type="datetimeFigureOut">
               <a:rPr lang="ko-KR" altLang="en-US" smtClean="0"/>
-              <a:t>2016-11-08</a:t>
+              <a:t>2016-11-09</a:t>
             </a:fld>
             <a:endParaRPr lang="ko-KR" altLang="en-US"/>
           </a:p>
@@ -2889,7 +2889,7 @@
           <a:p>
             <a:fld id="{DBE2C61E-289A-41F6-A129-12A884F40D14}" type="datetimeFigureOut">
               <a:rPr lang="ko-KR" altLang="en-US" smtClean="0"/>
-              <a:t>2016-11-08</a:t>
+              <a:t>2016-11-09</a:t>
             </a:fld>
             <a:endParaRPr lang="ko-KR" altLang="en-US"/>
           </a:p>
@@ -3007,7 +3007,7 @@
           <a:p>
             <a:fld id="{DBE2C61E-289A-41F6-A129-12A884F40D14}" type="datetimeFigureOut">
               <a:rPr lang="ko-KR" altLang="en-US" smtClean="0"/>
-              <a:t>2016-11-08</a:t>
+              <a:t>2016-11-09</a:t>
             </a:fld>
             <a:endParaRPr lang="ko-KR" altLang="en-US"/>
           </a:p>
@@ -3102,7 +3102,7 @@
           <a:p>
             <a:fld id="{DBE2C61E-289A-41F6-A129-12A884F40D14}" type="datetimeFigureOut">
               <a:rPr lang="ko-KR" altLang="en-US" smtClean="0"/>
-              <a:t>2016-11-08</a:t>
+              <a:t>2016-11-09</a:t>
             </a:fld>
             <a:endParaRPr lang="ko-KR" altLang="en-US"/>
           </a:p>
@@ -3379,7 +3379,7 @@
           <a:p>
             <a:fld id="{DBE2C61E-289A-41F6-A129-12A884F40D14}" type="datetimeFigureOut">
               <a:rPr lang="ko-KR" altLang="en-US" smtClean="0"/>
-              <a:t>2016-11-08</a:t>
+              <a:t>2016-11-09</a:t>
             </a:fld>
             <a:endParaRPr lang="ko-KR" altLang="en-US"/>
           </a:p>
@@ -3636,7 +3636,7 @@
           <a:p>
             <a:fld id="{DBE2C61E-289A-41F6-A129-12A884F40D14}" type="datetimeFigureOut">
               <a:rPr lang="ko-KR" altLang="en-US" smtClean="0"/>
-              <a:t>2016-11-08</a:t>
+              <a:t>2016-11-09</a:t>
             </a:fld>
             <a:endParaRPr lang="ko-KR" altLang="en-US"/>
           </a:p>
@@ -3849,7 +3849,7 @@
           <a:p>
             <a:fld id="{DBE2C61E-289A-41F6-A129-12A884F40D14}" type="datetimeFigureOut">
               <a:rPr lang="ko-KR" altLang="en-US" smtClean="0"/>
-              <a:t>2016-11-08</a:t>
+              <a:t>2016-11-09</a:t>
             </a:fld>
             <a:endParaRPr lang="ko-KR" altLang="en-US"/>
           </a:p>
@@ -4377,7 +4377,6 @@
               <a:rPr lang="en-US" altLang="ko-KR" dirty="0" smtClean="0"/>
               <a:t>_1</a:t>
             </a:r>
-            <a:endParaRPr lang="en-US" altLang="ko-KR" dirty="0" smtClean="0"/>
           </a:p>
           <a:p>
             <a:pPr algn="ctr"/>
@@ -5383,6 +5382,47 @@
           </a:p>
         </p:txBody>
       </p:sp>
+      <p:pic>
+        <p:nvPicPr>
+          <p:cNvPr id="26" name="Picture 2" descr="D:\TAOS\Dropbox\스크린샷\스크린샷 2016-11-03 09.19.28.png"/>
+          <p:cNvPicPr>
+            <a:picLocks noChangeAspect="1" noChangeArrowheads="1"/>
+          </p:cNvPicPr>
+          <p:nvPr/>
+        </p:nvPicPr>
+        <p:blipFill>
+          <a:blip r:embed="rId9">
+            <a:extLst>
+              <a:ext uri="{28A0092B-C50C-407E-A947-70E740481C1C}">
+                <a14:useLocalDpi xmlns:a14="http://schemas.microsoft.com/office/drawing/2010/main" val="0"/>
+              </a:ext>
+            </a:extLst>
+          </a:blip>
+          <a:srcRect/>
+          <a:stretch>
+            <a:fillRect/>
+          </a:stretch>
+        </p:blipFill>
+        <p:spPr bwMode="auto">
+          <a:xfrm>
+            <a:off x="6961225" y="6654800"/>
+            <a:ext cx="9182100" cy="3251200"/>
+          </a:xfrm>
+          <a:prstGeom prst="rect">
+            <a:avLst/>
+          </a:prstGeom>
+          <a:noFill/>
+          <a:extLst>
+            <a:ext uri="{909E8E84-426E-40DD-AFC4-6F175D3DCCD1}">
+              <a14:hiddenFill xmlns:a14="http://schemas.microsoft.com/office/drawing/2010/main">
+                <a:solidFill>
+                  <a:srgbClr val="FFFFFF"/>
+                </a:solidFill>
+              </a14:hiddenFill>
+            </a:ext>
+          </a:extLst>
+        </p:spPr>
+      </p:pic>
     </p:spTree>
     <p:extLst>
       <p:ext uri="{BB962C8B-B14F-4D97-AF65-F5344CB8AC3E}">
@@ -8605,58 +8645,6 @@
       </p:sp>
       <p:sp>
         <p:nvSpPr>
-          <p:cNvPr id="3" name="직사각형 2"/>
-          <p:cNvSpPr/>
-          <p:nvPr/>
-        </p:nvSpPr>
-        <p:spPr>
-          <a:xfrm>
-            <a:off x="1356946" y="5391150"/>
-            <a:ext cx="4526573" cy="662354"/>
-          </a:xfrm>
-          <a:prstGeom prst="rect">
-            <a:avLst/>
-          </a:prstGeom>
-        </p:spPr>
-        <p:style>
-          <a:lnRef idx="2">
-            <a:schemeClr val="accent1">
-              <a:shade val="50000"/>
-            </a:schemeClr>
-          </a:lnRef>
-          <a:fillRef idx="1">
-            <a:schemeClr val="accent1"/>
-          </a:fillRef>
-          <a:effectRef idx="0">
-            <a:schemeClr val="accent1"/>
-          </a:effectRef>
-          <a:fontRef idx="minor">
-            <a:schemeClr val="lt1"/>
-          </a:fontRef>
-        </p:style>
-        <p:txBody>
-          <a:bodyPr rtlCol="0" anchor="ctr"/>
-          <a:lstStyle/>
-          <a:p>
-            <a:pPr algn="ctr"/>
-            <a:r>
-              <a:rPr lang="en-US" altLang="ko-KR" dirty="0" smtClean="0"/>
-              <a:t>TAOS9938_</a:t>
-            </a:r>
-            <a:r>
-              <a:rPr lang="ko-KR" altLang="en-US" dirty="0" smtClean="0"/>
-              <a:t>내용 에 대한 정확한 설명 필요</a:t>
-            </a:r>
-            <a:r>
-              <a:rPr lang="en-US" altLang="ko-KR" dirty="0" smtClean="0"/>
-              <a:t>.</a:t>
-            </a:r>
-            <a:endParaRPr lang="ko-KR" altLang="en-US" dirty="0"/>
-          </a:p>
-        </p:txBody>
-      </p:sp>
-      <p:sp>
-        <p:nvSpPr>
           <p:cNvPr id="19" name="직사각형 18"/>
           <p:cNvSpPr/>
           <p:nvPr/>
@@ -8696,11 +8684,7 @@
             <a:pPr algn="ctr"/>
             <a:r>
               <a:rPr lang="en-US" altLang="ko-KR" dirty="0" err="1" smtClean="0"/>
-              <a:t>ActivityNa</a:t>
-            </a:r>
-            <a:r>
-              <a:rPr lang="en-US" altLang="ko-KR" dirty="0" err="1" smtClean="0"/>
-              <a:t>me</a:t>
+              <a:t>ActivityName</a:t>
             </a:r>
             <a:r>
               <a:rPr lang="en-US" altLang="ko-KR" dirty="0" smtClean="0"/>
@@ -8734,7 +8718,6 @@
               <a:rPr lang="en-US" altLang="ko-KR" dirty="0" smtClean="0"/>
               <a:t>_1</a:t>
             </a:r>
-            <a:endParaRPr lang="en-US" altLang="ko-KR" dirty="0" smtClean="0"/>
           </a:p>
           <a:p>
             <a:pPr algn="ctr"/>
@@ -8750,6 +8733,47 @@
           </a:p>
         </p:txBody>
       </p:sp>
+      <p:pic>
+        <p:nvPicPr>
+          <p:cNvPr id="1026" name="Picture 2" descr="D:\TAOS\Dropbox\스크린샷\스크린샷 2016-11-03 09.19.28.png"/>
+          <p:cNvPicPr>
+            <a:picLocks noChangeAspect="1" noChangeArrowheads="1"/>
+          </p:cNvPicPr>
+          <p:nvPr/>
+        </p:nvPicPr>
+        <p:blipFill>
+          <a:blip r:embed="rId9">
+            <a:extLst>
+              <a:ext uri="{28A0092B-C50C-407E-A947-70E740481C1C}">
+                <a14:useLocalDpi xmlns:a14="http://schemas.microsoft.com/office/drawing/2010/main" val="0"/>
+              </a:ext>
+            </a:extLst>
+          </a:blip>
+          <a:srcRect/>
+          <a:stretch>
+            <a:fillRect/>
+          </a:stretch>
+        </p:blipFill>
+        <p:spPr bwMode="auto">
+          <a:xfrm>
+            <a:off x="6961225" y="6654800"/>
+            <a:ext cx="9182100" cy="3251200"/>
+          </a:xfrm>
+          <a:prstGeom prst="rect">
+            <a:avLst/>
+          </a:prstGeom>
+          <a:noFill/>
+          <a:extLst>
+            <a:ext uri="{909E8E84-426E-40DD-AFC4-6F175D3DCCD1}">
+              <a14:hiddenFill xmlns:a14="http://schemas.microsoft.com/office/drawing/2010/main">
+                <a:solidFill>
+                  <a:srgbClr val="FFFFFF"/>
+                </a:solidFill>
+              </a14:hiddenFill>
+            </a:ext>
+          </a:extLst>
+        </p:spPr>
+      </p:pic>
     </p:spTree>
     <p:extLst>
       <p:ext uri="{BB962C8B-B14F-4D97-AF65-F5344CB8AC3E}">
@@ -9393,111 +9417,6 @@
       </p:sp>
       <p:sp>
         <p:nvSpPr>
-          <p:cNvPr id="13" name="직사각형 12"/>
-          <p:cNvSpPr/>
-          <p:nvPr/>
-        </p:nvSpPr>
-        <p:spPr>
-          <a:xfrm>
-            <a:off x="819150" y="2107222"/>
-            <a:ext cx="4526573" cy="1490207"/>
-          </a:xfrm>
-          <a:prstGeom prst="rect">
-            <a:avLst/>
-          </a:prstGeom>
-        </p:spPr>
-        <p:style>
-          <a:lnRef idx="2">
-            <a:schemeClr val="accent1">
-              <a:shade val="50000"/>
-            </a:schemeClr>
-          </a:lnRef>
-          <a:fillRef idx="1">
-            <a:schemeClr val="accent1"/>
-          </a:fillRef>
-          <a:effectRef idx="0">
-            <a:schemeClr val="accent1"/>
-          </a:effectRef>
-          <a:fontRef idx="minor">
-            <a:schemeClr val="lt1"/>
-          </a:fontRef>
-        </p:style>
-        <p:txBody>
-          <a:bodyPr rtlCol="0" anchor="ctr"/>
-          <a:lstStyle/>
-          <a:p>
-            <a:pPr algn="ctr"/>
-            <a:r>
-              <a:rPr lang="en-US" altLang="ko-KR" dirty="0" smtClean="0"/>
-              <a:t>TAOS9938</a:t>
-            </a:r>
-          </a:p>
-          <a:p>
-            <a:pPr algn="ctr"/>
-            <a:r>
-              <a:rPr lang="ko-KR" altLang="en-US" dirty="0" err="1" smtClean="0"/>
-              <a:t>스피너</a:t>
-            </a:r>
-            <a:r>
-              <a:rPr lang="en-US" altLang="ko-KR" dirty="0" smtClean="0"/>
-              <a:t>(</a:t>
-            </a:r>
-            <a:r>
-              <a:rPr lang="ko-KR" altLang="en-US" dirty="0" err="1" smtClean="0"/>
-              <a:t>드랍다운리스트</a:t>
-            </a:r>
-            <a:r>
-              <a:rPr lang="en-US" altLang="ko-KR" dirty="0" smtClean="0"/>
-              <a:t>)</a:t>
-            </a:r>
-          </a:p>
-          <a:p>
-            <a:pPr algn="ctr"/>
-            <a:r>
-              <a:rPr lang="ko-KR" altLang="en-US" dirty="0" smtClean="0"/>
-              <a:t>버튼 색깔변경</a:t>
-            </a:r>
-            <a:r>
-              <a:rPr lang="en-US" altLang="ko-KR" dirty="0" smtClean="0"/>
-              <a:t>.</a:t>
-            </a:r>
-          </a:p>
-          <a:p>
-            <a:pPr algn="ctr"/>
-            <a:r>
-              <a:rPr lang="ko-KR" altLang="en-US" dirty="0" smtClean="0"/>
-              <a:t>이전</a:t>
-            </a:r>
-            <a:r>
-              <a:rPr lang="ko-KR" altLang="en-US" dirty="0"/>
-              <a:t>달</a:t>
-            </a:r>
-            <a:endParaRPr lang="en-US" altLang="ko-KR" dirty="0" smtClean="0"/>
-          </a:p>
-          <a:p>
-            <a:pPr algn="ctr"/>
-            <a:r>
-              <a:rPr lang="ko-KR" altLang="en-US" dirty="0" smtClean="0"/>
-              <a:t>다음달</a:t>
-            </a:r>
-            <a:endParaRPr lang="en-US" altLang="ko-KR" dirty="0" smtClean="0"/>
-          </a:p>
-          <a:p>
-            <a:pPr algn="ctr"/>
-            <a:r>
-              <a:rPr lang="ko-KR" altLang="en-US" dirty="0" err="1" smtClean="0"/>
-              <a:t>클릭시</a:t>
-            </a:r>
-            <a:r>
-              <a:rPr lang="ko-KR" altLang="en-US" dirty="0" smtClean="0"/>
-              <a:t> 상세내용에 대한 설명 필요</a:t>
-            </a:r>
-            <a:endParaRPr lang="ko-KR" altLang="en-US" dirty="0"/>
-          </a:p>
-        </p:txBody>
-      </p:sp>
-      <p:sp>
-        <p:nvSpPr>
           <p:cNvPr id="14" name="직사각형 13"/>
           <p:cNvSpPr/>
           <p:nvPr/>
@@ -9571,7 +9490,6 @@
               <a:rPr lang="en-US" altLang="ko-KR" dirty="0" smtClean="0"/>
               <a:t>_1</a:t>
             </a:r>
-            <a:endParaRPr lang="en-US" altLang="ko-KR" dirty="0" smtClean="0"/>
           </a:p>
           <a:p>
             <a:pPr algn="ctr"/>
@@ -9583,10 +9501,50 @@
               <a:rPr lang="en-US" altLang="ko-KR" dirty="0" smtClean="0"/>
               <a:t>_2</a:t>
             </a:r>
-            <a:endParaRPr lang="en-US" altLang="ko-KR" dirty="0" smtClean="0"/>
-          </a:p>
-        </p:txBody>
-      </p:sp>
+          </a:p>
+        </p:txBody>
+      </p:sp>
+      <p:pic>
+        <p:nvPicPr>
+          <p:cNvPr id="2050" name="Picture 2" descr="D:\TAOS\Dropbox\스크린샷\스크린샷 2016-11-03 09.34.35.png"/>
+          <p:cNvPicPr>
+            <a:picLocks noChangeAspect="1" noChangeArrowheads="1"/>
+          </p:cNvPicPr>
+          <p:nvPr/>
+        </p:nvPicPr>
+        <p:blipFill>
+          <a:blip r:embed="rId10">
+            <a:extLst>
+              <a:ext uri="{28A0092B-C50C-407E-A947-70E740481C1C}">
+                <a14:useLocalDpi xmlns:a14="http://schemas.microsoft.com/office/drawing/2010/main" val="0"/>
+              </a:ext>
+            </a:extLst>
+          </a:blip>
+          <a:srcRect/>
+          <a:stretch>
+            <a:fillRect/>
+          </a:stretch>
+        </p:blipFill>
+        <p:spPr bwMode="auto">
+          <a:xfrm>
+            <a:off x="6946900" y="6540500"/>
+            <a:ext cx="9296400" cy="3365500"/>
+          </a:xfrm>
+          <a:prstGeom prst="rect">
+            <a:avLst/>
+          </a:prstGeom>
+          <a:noFill/>
+          <a:extLst>
+            <a:ext uri="{909E8E84-426E-40DD-AFC4-6F175D3DCCD1}">
+              <a14:hiddenFill xmlns:a14="http://schemas.microsoft.com/office/drawing/2010/main">
+                <a:solidFill>
+                  <a:srgbClr val="FFFFFF"/>
+                </a:solidFill>
+              </a14:hiddenFill>
+            </a:ext>
+          </a:extLst>
+        </p:spPr>
+      </p:pic>
     </p:spTree>
     <p:extLst>
       <p:ext uri="{BB962C8B-B14F-4D97-AF65-F5344CB8AC3E}">
@@ -10547,7 +10505,6 @@
               <a:rPr lang="en-US" altLang="ko-KR" dirty="0" smtClean="0"/>
               <a:t>_1</a:t>
             </a:r>
-            <a:endParaRPr lang="en-US" altLang="ko-KR" dirty="0" smtClean="0"/>
           </a:p>
           <a:p>
             <a:pPr algn="ctr"/>
@@ -10563,6 +10520,47 @@
           </a:p>
         </p:txBody>
       </p:sp>
+      <p:pic>
+        <p:nvPicPr>
+          <p:cNvPr id="26" name="Picture 2" descr="D:\TAOS\Dropbox\스크린샷\스크린샷 2016-11-03 09.19.28.png"/>
+          <p:cNvPicPr>
+            <a:picLocks noChangeAspect="1" noChangeArrowheads="1"/>
+          </p:cNvPicPr>
+          <p:nvPr/>
+        </p:nvPicPr>
+        <p:blipFill>
+          <a:blip r:embed="rId9">
+            <a:extLst>
+              <a:ext uri="{28A0092B-C50C-407E-A947-70E740481C1C}">
+                <a14:useLocalDpi xmlns:a14="http://schemas.microsoft.com/office/drawing/2010/main" val="0"/>
+              </a:ext>
+            </a:extLst>
+          </a:blip>
+          <a:srcRect/>
+          <a:stretch>
+            <a:fillRect/>
+          </a:stretch>
+        </p:blipFill>
+        <p:spPr bwMode="auto">
+          <a:xfrm>
+            <a:off x="6961225" y="6654800"/>
+            <a:ext cx="9182100" cy="3251200"/>
+          </a:xfrm>
+          <a:prstGeom prst="rect">
+            <a:avLst/>
+          </a:prstGeom>
+          <a:noFill/>
+          <a:extLst>
+            <a:ext uri="{909E8E84-426E-40DD-AFC4-6F175D3DCCD1}">
+              <a14:hiddenFill xmlns:a14="http://schemas.microsoft.com/office/drawing/2010/main">
+                <a:solidFill>
+                  <a:srgbClr val="FFFFFF"/>
+                </a:solidFill>
+              </a14:hiddenFill>
+            </a:ext>
+          </a:extLst>
+        </p:spPr>
+      </p:pic>
     </p:spTree>
     <p:extLst>
       <p:ext uri="{BB962C8B-B14F-4D97-AF65-F5344CB8AC3E}">
@@ -11525,7 +11523,6 @@
               <a:rPr lang="en-US" altLang="ko-KR" dirty="0" smtClean="0"/>
               <a:t>_1</a:t>
             </a:r>
-            <a:endParaRPr lang="en-US" altLang="ko-KR" dirty="0" smtClean="0"/>
           </a:p>
           <a:p>
             <a:pPr algn="ctr"/>
@@ -12690,7 +12687,6 @@
               <a:rPr lang="en-US" altLang="ko-KR" dirty="0" smtClean="0"/>
               <a:t>_1</a:t>
             </a:r>
-            <a:endParaRPr lang="en-US" altLang="ko-KR" dirty="0" smtClean="0"/>
           </a:p>
           <a:p>
             <a:pPr algn="ctr"/>
@@ -12706,6 +12702,47 @@
           </a:p>
         </p:txBody>
       </p:sp>
+      <p:pic>
+        <p:nvPicPr>
+          <p:cNvPr id="19" name="Picture 2" descr="D:\TAOS\Dropbox\스크린샷\스크린샷 2016-11-03 09.19.28.png"/>
+          <p:cNvPicPr>
+            <a:picLocks noChangeAspect="1" noChangeArrowheads="1"/>
+          </p:cNvPicPr>
+          <p:nvPr/>
+        </p:nvPicPr>
+        <p:blipFill>
+          <a:blip r:embed="rId13">
+            <a:extLst>
+              <a:ext uri="{28A0092B-C50C-407E-A947-70E740481C1C}">
+                <a14:useLocalDpi xmlns:a14="http://schemas.microsoft.com/office/drawing/2010/main" val="0"/>
+              </a:ext>
+            </a:extLst>
+          </a:blip>
+          <a:srcRect/>
+          <a:stretch>
+            <a:fillRect/>
+          </a:stretch>
+        </p:blipFill>
+        <p:spPr bwMode="auto">
+          <a:xfrm>
+            <a:off x="6961225" y="6654800"/>
+            <a:ext cx="9182100" cy="3251200"/>
+          </a:xfrm>
+          <a:prstGeom prst="rect">
+            <a:avLst/>
+          </a:prstGeom>
+          <a:noFill/>
+          <a:extLst>
+            <a:ext uri="{909E8E84-426E-40DD-AFC4-6F175D3DCCD1}">
+              <a14:hiddenFill xmlns:a14="http://schemas.microsoft.com/office/drawing/2010/main">
+                <a:solidFill>
+                  <a:srgbClr val="FFFFFF"/>
+                </a:solidFill>
+              </a14:hiddenFill>
+            </a:ext>
+          </a:extLst>
+        </p:spPr>
+      </p:pic>
     </p:spTree>
     <p:extLst>
       <p:ext uri="{BB962C8B-B14F-4D97-AF65-F5344CB8AC3E}">
@@ -13856,7 +13893,6 @@
               <a:rPr lang="en-US" altLang="ko-KR" dirty="0" smtClean="0"/>
               <a:t>_1</a:t>
             </a:r>
-            <a:endParaRPr lang="en-US" altLang="ko-KR" dirty="0" smtClean="0"/>
           </a:p>
           <a:p>
             <a:pPr algn="ctr"/>
@@ -13876,6 +13912,47 @@
           </a:p>
         </p:txBody>
       </p:sp>
+      <p:pic>
+        <p:nvPicPr>
+          <p:cNvPr id="19" name="Picture 2" descr="D:\TAOS\Dropbox\스크린샷\스크린샷 2016-11-03 09.19.28.png"/>
+          <p:cNvPicPr>
+            <a:picLocks noChangeAspect="1" noChangeArrowheads="1"/>
+          </p:cNvPicPr>
+          <p:nvPr/>
+        </p:nvPicPr>
+        <p:blipFill>
+          <a:blip r:embed="rId13">
+            <a:extLst>
+              <a:ext uri="{28A0092B-C50C-407E-A947-70E740481C1C}">
+                <a14:useLocalDpi xmlns:a14="http://schemas.microsoft.com/office/drawing/2010/main" val="0"/>
+              </a:ext>
+            </a:extLst>
+          </a:blip>
+          <a:srcRect/>
+          <a:stretch>
+            <a:fillRect/>
+          </a:stretch>
+        </p:blipFill>
+        <p:spPr bwMode="auto">
+          <a:xfrm>
+            <a:off x="6961225" y="6654800"/>
+            <a:ext cx="9182100" cy="3251200"/>
+          </a:xfrm>
+          <a:prstGeom prst="rect">
+            <a:avLst/>
+          </a:prstGeom>
+          <a:noFill/>
+          <a:extLst>
+            <a:ext uri="{909E8E84-426E-40DD-AFC4-6F175D3DCCD1}">
+              <a14:hiddenFill xmlns:a14="http://schemas.microsoft.com/office/drawing/2010/main">
+                <a:solidFill>
+                  <a:srgbClr val="FFFFFF"/>
+                </a:solidFill>
+              </a14:hiddenFill>
+            </a:ext>
+          </a:extLst>
+        </p:spPr>
+      </p:pic>
     </p:spTree>
     <p:extLst>
       <p:ext uri="{BB962C8B-B14F-4D97-AF65-F5344CB8AC3E}">
@@ -15037,6 +15114,47 @@
           </a:p>
         </p:txBody>
       </p:sp>
+      <p:pic>
+        <p:nvPicPr>
+          <p:cNvPr id="19" name="Picture 2" descr="D:\TAOS\Dropbox\스크린샷\스크린샷 2016-11-03 09.19.28.png"/>
+          <p:cNvPicPr>
+            <a:picLocks noChangeAspect="1" noChangeArrowheads="1"/>
+          </p:cNvPicPr>
+          <p:nvPr/>
+        </p:nvPicPr>
+        <p:blipFill>
+          <a:blip r:embed="rId13">
+            <a:extLst>
+              <a:ext uri="{28A0092B-C50C-407E-A947-70E740481C1C}">
+                <a14:useLocalDpi xmlns:a14="http://schemas.microsoft.com/office/drawing/2010/main" val="0"/>
+              </a:ext>
+            </a:extLst>
+          </a:blip>
+          <a:srcRect/>
+          <a:stretch>
+            <a:fillRect/>
+          </a:stretch>
+        </p:blipFill>
+        <p:spPr bwMode="auto">
+          <a:xfrm>
+            <a:off x="6961225" y="6654800"/>
+            <a:ext cx="9182100" cy="3251200"/>
+          </a:xfrm>
+          <a:prstGeom prst="rect">
+            <a:avLst/>
+          </a:prstGeom>
+          <a:noFill/>
+          <a:extLst>
+            <a:ext uri="{909E8E84-426E-40DD-AFC4-6F175D3DCCD1}">
+              <a14:hiddenFill xmlns:a14="http://schemas.microsoft.com/office/drawing/2010/main">
+                <a:solidFill>
+                  <a:srgbClr val="FFFFFF"/>
+                </a:solidFill>
+              </a14:hiddenFill>
+            </a:ext>
+          </a:extLst>
+        </p:spPr>
+      </p:pic>
     </p:spTree>
     <p:extLst>
       <p:ext uri="{BB962C8B-B14F-4D97-AF65-F5344CB8AC3E}">
@@ -15976,6 +16094,47 @@
           </a:p>
         </p:txBody>
       </p:sp>
+      <p:pic>
+        <p:nvPicPr>
+          <p:cNvPr id="19" name="Picture 2" descr="D:\TAOS\Dropbox\스크린샷\스크린샷 2016-11-03 09.19.28.png"/>
+          <p:cNvPicPr>
+            <a:picLocks noChangeAspect="1" noChangeArrowheads="1"/>
+          </p:cNvPicPr>
+          <p:nvPr/>
+        </p:nvPicPr>
+        <p:blipFill>
+          <a:blip r:embed="rId13">
+            <a:extLst>
+              <a:ext uri="{28A0092B-C50C-407E-A947-70E740481C1C}">
+                <a14:useLocalDpi xmlns:a14="http://schemas.microsoft.com/office/drawing/2010/main" val="0"/>
+              </a:ext>
+            </a:extLst>
+          </a:blip>
+          <a:srcRect/>
+          <a:stretch>
+            <a:fillRect/>
+          </a:stretch>
+        </p:blipFill>
+        <p:spPr bwMode="auto">
+          <a:xfrm>
+            <a:off x="6961225" y="6654800"/>
+            <a:ext cx="9182100" cy="3251200"/>
+          </a:xfrm>
+          <a:prstGeom prst="rect">
+            <a:avLst/>
+          </a:prstGeom>
+          <a:noFill/>
+          <a:extLst>
+            <a:ext uri="{909E8E84-426E-40DD-AFC4-6F175D3DCCD1}">
+              <a14:hiddenFill xmlns:a14="http://schemas.microsoft.com/office/drawing/2010/main">
+                <a:solidFill>
+                  <a:srgbClr val="FFFFFF"/>
+                </a:solidFill>
+              </a14:hiddenFill>
+            </a:ext>
+          </a:extLst>
+        </p:spPr>
+      </p:pic>
     </p:spTree>
     <p:extLst>
       <p:ext uri="{BB962C8B-B14F-4D97-AF65-F5344CB8AC3E}">
@@ -16251,7 +16410,7 @@
   <a:extraClrSchemeLst/>
   <a:extLst>
     <a:ext uri="{05A4C25C-085E-4340-85A3-A5531E510DB2}">
-      <thm15:themeFamily xmlns="" xmlns:thm15="http://schemas.microsoft.com/office/thememl/2012/main" name="Office Theme" id="{62F939B6-93AF-4DB8-9C6B-D6C7DFDC589F}" vid="{4A3C46E8-61CC-4603-A589-7422A47A8E4A}"/>
+      <thm15:themeFamily xmlns:thm15="http://schemas.microsoft.com/office/thememl/2012/main" xmlns="" name="Office Theme" id="{62F939B6-93AF-4DB8-9C6B-D6C7DFDC589F}" vid="{4A3C46E8-61CC-4603-A589-7422A47A8E4A}"/>
     </a:ext>
   </a:extLst>
 </a:theme>

--- a/app/src/main/assets/어플_스토리보드.pptx
+++ b/app/src/main/assets/어플_스토리보드.pptx
@@ -203,7 +203,7 @@
           <a:p>
             <a:fld id="{F4847EC4-2D9C-48E1-930B-24A5E7588719}" type="datetimeFigureOut">
               <a:rPr lang="ko-KR" altLang="en-US" smtClean="0"/>
-              <a:t>2016-11-09</a:t>
+              <a:t>2016-11-22</a:t>
             </a:fld>
             <a:endParaRPr lang="ko-KR" altLang="en-US"/>
           </a:p>
@@ -1526,7 +1526,7 @@
           <a:p>
             <a:fld id="{DBE2C61E-289A-41F6-A129-12A884F40D14}" type="datetimeFigureOut">
               <a:rPr lang="ko-KR" altLang="en-US" smtClean="0"/>
-              <a:t>2016-11-09</a:t>
+              <a:t>2016-11-22</a:t>
             </a:fld>
             <a:endParaRPr lang="ko-KR" altLang="en-US"/>
           </a:p>
@@ -1696,7 +1696,7 @@
           <a:p>
             <a:fld id="{DBE2C61E-289A-41F6-A129-12A884F40D14}" type="datetimeFigureOut">
               <a:rPr lang="ko-KR" altLang="en-US" smtClean="0"/>
-              <a:t>2016-11-09</a:t>
+              <a:t>2016-11-22</a:t>
             </a:fld>
             <a:endParaRPr lang="ko-KR" altLang="en-US"/>
           </a:p>
@@ -1876,7 +1876,7 @@
           <a:p>
             <a:fld id="{DBE2C61E-289A-41F6-A129-12A884F40D14}" type="datetimeFigureOut">
               <a:rPr lang="ko-KR" altLang="en-US" smtClean="0"/>
-              <a:t>2016-11-09</a:t>
+              <a:t>2016-11-22</a:t>
             </a:fld>
             <a:endParaRPr lang="ko-KR" altLang="en-US"/>
           </a:p>
@@ -2046,7 +2046,7 @@
           <a:p>
             <a:fld id="{DBE2C61E-289A-41F6-A129-12A884F40D14}" type="datetimeFigureOut">
               <a:rPr lang="ko-KR" altLang="en-US" smtClean="0"/>
-              <a:t>2016-11-09</a:t>
+              <a:t>2016-11-22</a:t>
             </a:fld>
             <a:endParaRPr lang="ko-KR" altLang="en-US"/>
           </a:p>
@@ -2290,7 +2290,7 @@
           <a:p>
             <a:fld id="{DBE2C61E-289A-41F6-A129-12A884F40D14}" type="datetimeFigureOut">
               <a:rPr lang="ko-KR" altLang="en-US" smtClean="0"/>
-              <a:t>2016-11-09</a:t>
+              <a:t>2016-11-22</a:t>
             </a:fld>
             <a:endParaRPr lang="ko-KR" altLang="en-US"/>
           </a:p>
@@ -2522,7 +2522,7 @@
           <a:p>
             <a:fld id="{DBE2C61E-289A-41F6-A129-12A884F40D14}" type="datetimeFigureOut">
               <a:rPr lang="ko-KR" altLang="en-US" smtClean="0"/>
-              <a:t>2016-11-09</a:t>
+              <a:t>2016-11-22</a:t>
             </a:fld>
             <a:endParaRPr lang="ko-KR" altLang="en-US"/>
           </a:p>
@@ -2889,7 +2889,7 @@
           <a:p>
             <a:fld id="{DBE2C61E-289A-41F6-A129-12A884F40D14}" type="datetimeFigureOut">
               <a:rPr lang="ko-KR" altLang="en-US" smtClean="0"/>
-              <a:t>2016-11-09</a:t>
+              <a:t>2016-11-22</a:t>
             </a:fld>
             <a:endParaRPr lang="ko-KR" altLang="en-US"/>
           </a:p>
@@ -3007,7 +3007,7 @@
           <a:p>
             <a:fld id="{DBE2C61E-289A-41F6-A129-12A884F40D14}" type="datetimeFigureOut">
               <a:rPr lang="ko-KR" altLang="en-US" smtClean="0"/>
-              <a:t>2016-11-09</a:t>
+              <a:t>2016-11-22</a:t>
             </a:fld>
             <a:endParaRPr lang="ko-KR" altLang="en-US"/>
           </a:p>
@@ -3102,7 +3102,7 @@
           <a:p>
             <a:fld id="{DBE2C61E-289A-41F6-A129-12A884F40D14}" type="datetimeFigureOut">
               <a:rPr lang="ko-KR" altLang="en-US" smtClean="0"/>
-              <a:t>2016-11-09</a:t>
+              <a:t>2016-11-22</a:t>
             </a:fld>
             <a:endParaRPr lang="ko-KR" altLang="en-US"/>
           </a:p>
@@ -3379,7 +3379,7 @@
           <a:p>
             <a:fld id="{DBE2C61E-289A-41F6-A129-12A884F40D14}" type="datetimeFigureOut">
               <a:rPr lang="ko-KR" altLang="en-US" smtClean="0"/>
-              <a:t>2016-11-09</a:t>
+              <a:t>2016-11-22</a:t>
             </a:fld>
             <a:endParaRPr lang="ko-KR" altLang="en-US"/>
           </a:p>
@@ -3636,7 +3636,7 @@
           <a:p>
             <a:fld id="{DBE2C61E-289A-41F6-A129-12A884F40D14}" type="datetimeFigureOut">
               <a:rPr lang="ko-KR" altLang="en-US" smtClean="0"/>
-              <a:t>2016-11-09</a:t>
+              <a:t>2016-11-22</a:t>
             </a:fld>
             <a:endParaRPr lang="ko-KR" altLang="en-US"/>
           </a:p>
@@ -3849,7 +3849,7 @@
           <a:p>
             <a:fld id="{DBE2C61E-289A-41F6-A129-12A884F40D14}" type="datetimeFigureOut">
               <a:rPr lang="ko-KR" altLang="en-US" smtClean="0"/>
-              <a:t>2016-11-09</a:t>
+              <a:t>2016-11-22</a:t>
             </a:fld>
             <a:endParaRPr lang="ko-KR" altLang="en-US"/>
           </a:p>
@@ -4371,23 +4371,9 @@
             <a:pPr algn="ctr"/>
             <a:r>
               <a:rPr lang="ko-KR" altLang="en-US" dirty="0" smtClean="0"/>
-              <a:t>이윤지</a:t>
-            </a:r>
-            <a:r>
-              <a:rPr lang="en-US" altLang="ko-KR" dirty="0" smtClean="0"/>
-              <a:t>_1</a:t>
-            </a:r>
-          </a:p>
-          <a:p>
-            <a:pPr algn="ctr"/>
-            <a:r>
-              <a:rPr lang="ko-KR" altLang="en-US" dirty="0" smtClean="0"/>
               <a:t>박현기</a:t>
             </a:r>
-            <a:r>
-              <a:rPr lang="en-US" altLang="ko-KR" dirty="0" smtClean="0"/>
-              <a:t>_2</a:t>
-            </a:r>
+            <a:endParaRPr lang="en-US" altLang="ko-KR" dirty="0" smtClean="0"/>
           </a:p>
           <a:p>
             <a:pPr algn="ctr"/>
@@ -5360,25 +5346,26 @@
           <a:p>
             <a:pPr algn="ctr"/>
             <a:r>
-              <a:rPr lang="ko-KR" altLang="en-US" dirty="0" smtClean="0"/>
-              <a:t>석성희</a:t>
-            </a:r>
-            <a:r>
               <a:rPr lang="en-US" altLang="ko-KR" dirty="0" smtClean="0"/>
-              <a:t>_1</a:t>
-            </a:r>
-          </a:p>
-          <a:p>
-            <a:pPr algn="ctr"/>
-            <a:r>
-              <a:rPr lang="ko-KR" altLang="en-US" dirty="0" smtClean="0"/>
-              <a:t>양희석</a:t>
-            </a:r>
-            <a:r>
-              <a:rPr lang="en-US" altLang="ko-KR" dirty="0" smtClean="0"/>
-              <a:t>_2</a:t>
-            </a:r>
-            <a:endParaRPr lang="ko-KR" altLang="en-US" dirty="0"/>
+              <a:t>Adapter : </a:t>
+            </a:r>
+            <a:r>
+              <a:rPr lang="en-US" altLang="ko-KR" dirty="0" err="1" smtClean="0"/>
+              <a:t>SHomeMailAdapter</a:t>
+            </a:r>
+            <a:endParaRPr lang="en-US" altLang="ko-KR" dirty="0" smtClean="0"/>
+          </a:p>
+          <a:p>
+            <a:pPr algn="ctr"/>
+            <a:r>
+              <a:rPr lang="ko-KR" altLang="en-US" dirty="0" err="1" smtClean="0"/>
+              <a:t>강</a:t>
+            </a:r>
+            <a:r>
+              <a:rPr lang="ko-KR" altLang="en-US" dirty="0" err="1"/>
+              <a:t>찬</a:t>
+            </a:r>
+            <a:endParaRPr lang="en-US" altLang="ko-KR" dirty="0" smtClean="0"/>
           </a:p>
         </p:txBody>
       </p:sp>
@@ -6916,23 +6903,24 @@
           <a:p>
             <a:pPr algn="ctr"/>
             <a:r>
+              <a:rPr lang="en-US" altLang="ko-KR" dirty="0" smtClean="0"/>
+              <a:t>Adapter : </a:t>
+            </a:r>
+            <a:r>
+              <a:rPr lang="en-US" altLang="ko-KR" dirty="0" err="1" smtClean="0"/>
+              <a:t>SGalleryGridAdapter</a:t>
+            </a:r>
+            <a:endParaRPr lang="en-US" altLang="ko-KR" dirty="0" smtClean="0"/>
+          </a:p>
+          <a:p>
+            <a:pPr algn="ctr"/>
+            <a:r>
               <a:rPr lang="ko-KR" altLang="en-US" dirty="0" smtClean="0"/>
-              <a:t>이영훈</a:t>
-            </a:r>
-            <a:r>
-              <a:rPr lang="en-US" altLang="ko-KR" dirty="0" smtClean="0"/>
-              <a:t>_1</a:t>
-            </a:r>
-          </a:p>
-          <a:p>
-            <a:pPr algn="ctr"/>
-            <a:r>
-              <a:rPr lang="ko-KR" altLang="en-US" dirty="0" smtClean="0"/>
-              <a:t>정혜성</a:t>
-            </a:r>
-            <a:r>
-              <a:rPr lang="en-US" altLang="ko-KR" dirty="0" smtClean="0"/>
-              <a:t>_2</a:t>
+              <a:t>박현</a:t>
+            </a:r>
+            <a:r>
+              <a:rPr lang="ko-KR" altLang="en-US" dirty="0"/>
+              <a:t>기</a:t>
             </a:r>
             <a:endParaRPr lang="ko-KR" altLang="en-US" dirty="0"/>
           </a:p>
@@ -7760,6 +7748,18 @@
             </a:r>
             <a:endParaRPr lang="en-US" altLang="ko-KR" dirty="0" smtClean="0"/>
           </a:p>
+          <a:p>
+            <a:pPr algn="ctr"/>
+            <a:r>
+              <a:rPr lang="ko-KR" altLang="en-US" dirty="0" smtClean="0"/>
+              <a:t>석성</a:t>
+            </a:r>
+            <a:r>
+              <a:rPr lang="ko-KR" altLang="en-US" dirty="0"/>
+              <a:t>희</a:t>
+            </a:r>
+            <a:endParaRPr lang="en-US" altLang="ko-KR" dirty="0" smtClean="0"/>
+          </a:p>
         </p:txBody>
       </p:sp>
     </p:spTree>
@@ -8711,23 +8711,20 @@
           <a:p>
             <a:pPr algn="ctr"/>
             <a:r>
+              <a:rPr lang="en-US" altLang="ko-KR" dirty="0" smtClean="0"/>
+              <a:t>Adapter : </a:t>
+            </a:r>
+            <a:r>
+              <a:rPr lang="en-US" altLang="ko-KR" dirty="0" err="1" smtClean="0"/>
+              <a:t>SNoticeAdapter</a:t>
+            </a:r>
+            <a:endParaRPr lang="en-US" altLang="ko-KR" dirty="0" smtClean="0"/>
+          </a:p>
+          <a:p>
+            <a:pPr algn="ctr"/>
+            <a:r>
               <a:rPr lang="ko-KR" altLang="en-US" dirty="0" smtClean="0"/>
-              <a:t>우재희</a:t>
-            </a:r>
-            <a:r>
-              <a:rPr lang="en-US" altLang="ko-KR" dirty="0" smtClean="0"/>
-              <a:t>_1</a:t>
-            </a:r>
-          </a:p>
-          <a:p>
-            <a:pPr algn="ctr"/>
-            <a:r>
-              <a:rPr lang="ko-KR" altLang="en-US" dirty="0" smtClean="0"/>
-              <a:t>유재우</a:t>
-            </a:r>
-            <a:r>
-              <a:rPr lang="en-US" altLang="ko-KR" dirty="0" smtClean="0"/>
-              <a:t>_2</a:t>
+              <a:t>석성희</a:t>
             </a:r>
             <a:endParaRPr lang="ko-KR" altLang="en-US" dirty="0"/>
           </a:p>
@@ -9483,24 +9480,22 @@
           <a:p>
             <a:pPr algn="ctr"/>
             <a:r>
+              <a:rPr lang="en-US" altLang="ko-KR" dirty="0" smtClean="0"/>
+              <a:t>Adapter : </a:t>
+            </a:r>
+            <a:r>
+              <a:rPr lang="en-US" altLang="ko-KR" dirty="0" err="1" smtClean="0"/>
+              <a:t>SScheduleAdapter</a:t>
+            </a:r>
+            <a:endParaRPr lang="en-US" altLang="ko-KR" dirty="0" smtClean="0"/>
+          </a:p>
+          <a:p>
+            <a:pPr algn="ctr"/>
+            <a:r>
               <a:rPr lang="ko-KR" altLang="en-US" dirty="0" smtClean="0"/>
-              <a:t>채기현</a:t>
-            </a:r>
-            <a:r>
-              <a:rPr lang="en-US" altLang="ko-KR" dirty="0" smtClean="0"/>
-              <a:t>_1</a:t>
-            </a:r>
-          </a:p>
-          <a:p>
-            <a:pPr algn="ctr"/>
-            <a:r>
-              <a:rPr lang="ko-KR" altLang="en-US" dirty="0" smtClean="0"/>
-              <a:t>최준호</a:t>
-            </a:r>
-            <a:r>
-              <a:rPr lang="en-US" altLang="ko-KR" dirty="0" smtClean="0"/>
-              <a:t>_2</a:t>
-            </a:r>
+              <a:t>안용찬</a:t>
+            </a:r>
+            <a:endParaRPr lang="en-US" altLang="ko-KR" dirty="0" smtClean="0"/>
           </a:p>
         </p:txBody>
       </p:sp>
@@ -10498,23 +10493,20 @@
           <a:p>
             <a:pPr algn="ctr"/>
             <a:r>
+              <a:rPr lang="en-US" altLang="ko-KR" dirty="0" smtClean="0"/>
+              <a:t>Adapter : </a:t>
+            </a:r>
+            <a:r>
+              <a:rPr lang="en-US" altLang="ko-KR" dirty="0" err="1" smtClean="0"/>
+              <a:t>SFoodAdapter</a:t>
+            </a:r>
+            <a:endParaRPr lang="en-US" altLang="ko-KR" dirty="0" smtClean="0"/>
+          </a:p>
+          <a:p>
+            <a:pPr algn="ctr"/>
+            <a:r>
               <a:rPr lang="ko-KR" altLang="en-US" dirty="0" smtClean="0"/>
-              <a:t>박주희</a:t>
-            </a:r>
-            <a:r>
-              <a:rPr lang="en-US" altLang="ko-KR" dirty="0" smtClean="0"/>
-              <a:t>_1</a:t>
-            </a:r>
-          </a:p>
-          <a:p>
-            <a:pPr algn="ctr"/>
-            <a:r>
-              <a:rPr lang="ko-KR" altLang="en-US" dirty="0" smtClean="0"/>
-              <a:t>정수호</a:t>
-            </a:r>
-            <a:r>
-              <a:rPr lang="en-US" altLang="ko-KR" dirty="0" smtClean="0"/>
-              <a:t>_2</a:t>
+              <a:t>양희석</a:t>
             </a:r>
             <a:endParaRPr lang="ko-KR" altLang="en-US" dirty="0"/>
           </a:p>
@@ -11516,23 +11508,20 @@
           <a:p>
             <a:pPr algn="ctr"/>
             <a:r>
-              <a:rPr lang="ko-KR" altLang="en-US" dirty="0" smtClean="0"/>
-              <a:t>강태민</a:t>
-            </a:r>
-            <a:r>
               <a:rPr lang="en-US" altLang="ko-KR" dirty="0" smtClean="0"/>
-              <a:t>_1</a:t>
-            </a:r>
-          </a:p>
-          <a:p>
-            <a:pPr algn="ctr"/>
-            <a:r>
-              <a:rPr lang="ko-KR" altLang="en-US" dirty="0" smtClean="0"/>
-              <a:t>임동주</a:t>
-            </a:r>
-            <a:r>
-              <a:rPr lang="en-US" altLang="ko-KR" dirty="0" smtClean="0"/>
-              <a:t>_1</a:t>
+              <a:t>Adapter : </a:t>
+            </a:r>
+            <a:r>
+              <a:rPr lang="en-US" altLang="ko-KR" dirty="0" err="1" smtClean="0"/>
+              <a:t>SJobAdapter</a:t>
+            </a:r>
+            <a:endParaRPr lang="en-US" altLang="ko-KR" dirty="0" smtClean="0"/>
+          </a:p>
+          <a:p>
+            <a:pPr algn="ctr"/>
+            <a:r>
+              <a:rPr lang="ko-KR" altLang="en-US" dirty="0" err="1" smtClean="0"/>
+              <a:t>강찬</a:t>
             </a:r>
             <a:endParaRPr lang="ko-KR" altLang="en-US" dirty="0"/>
           </a:p>
@@ -12680,23 +12669,24 @@
           <a:p>
             <a:pPr algn="ctr"/>
             <a:r>
+              <a:rPr lang="en-US" altLang="ko-KR" dirty="0" smtClean="0"/>
+              <a:t>Adapter : </a:t>
+            </a:r>
+            <a:r>
+              <a:rPr lang="en-US" altLang="ko-KR" dirty="0" err="1" smtClean="0"/>
+              <a:t>SApplicationInfoAdapter</a:t>
+            </a:r>
+            <a:endParaRPr lang="en-US" altLang="ko-KR" dirty="0" smtClean="0"/>
+          </a:p>
+          <a:p>
+            <a:pPr algn="ctr"/>
+            <a:r>
               <a:rPr lang="ko-KR" altLang="en-US" dirty="0" smtClean="0"/>
-              <a:t>조성현</a:t>
-            </a:r>
-            <a:r>
-              <a:rPr lang="en-US" altLang="ko-KR" dirty="0" smtClean="0"/>
-              <a:t>_1</a:t>
-            </a:r>
-          </a:p>
-          <a:p>
-            <a:pPr algn="ctr"/>
-            <a:r>
-              <a:rPr lang="ko-KR" altLang="en-US" dirty="0" err="1" smtClean="0"/>
-              <a:t>강찬</a:t>
-            </a:r>
-            <a:r>
-              <a:rPr lang="en-US" altLang="ko-KR" dirty="0" smtClean="0"/>
-              <a:t>_2</a:t>
+              <a:t>박현</a:t>
+            </a:r>
+            <a:r>
+              <a:rPr lang="ko-KR" altLang="en-US" dirty="0"/>
+              <a:t>기</a:t>
             </a:r>
             <a:endParaRPr lang="ko-KR" altLang="en-US" dirty="0"/>
           </a:p>
@@ -13886,27 +13876,20 @@
           <a:p>
             <a:pPr algn="ctr"/>
             <a:r>
+              <a:rPr lang="en-US" altLang="ko-KR" dirty="0" smtClean="0"/>
+              <a:t>Adapter : </a:t>
+            </a:r>
+            <a:r>
+              <a:rPr lang="en-US" altLang="ko-KR" dirty="0" err="1" smtClean="0"/>
+              <a:t>SCompanyInfoAdapter</a:t>
+            </a:r>
+            <a:endParaRPr lang="en-US" altLang="ko-KR" dirty="0" smtClean="0"/>
+          </a:p>
+          <a:p>
+            <a:pPr algn="ctr"/>
+            <a:r>
               <a:rPr lang="ko-KR" altLang="en-US" dirty="0" smtClean="0"/>
-              <a:t>남태훈</a:t>
-            </a:r>
-            <a:r>
-              <a:rPr lang="en-US" altLang="ko-KR" dirty="0" smtClean="0"/>
-              <a:t>_1</a:t>
-            </a:r>
-          </a:p>
-          <a:p>
-            <a:pPr algn="ctr"/>
-            <a:r>
-              <a:rPr lang="ko-KR" altLang="en-US" dirty="0" smtClean="0"/>
-              <a:t>서규</a:t>
-            </a:r>
-            <a:r>
-              <a:rPr lang="ko-KR" altLang="en-US" dirty="0"/>
-              <a:t>환</a:t>
-            </a:r>
-            <a:r>
-              <a:rPr lang="en-US" altLang="ko-KR" dirty="0" smtClean="0"/>
-              <a:t>_2</a:t>
+              <a:t>석성희</a:t>
             </a:r>
             <a:endParaRPr lang="ko-KR" altLang="en-US" dirty="0"/>
           </a:p>
@@ -15092,23 +15075,20 @@
           <a:p>
             <a:pPr algn="ctr"/>
             <a:r>
+              <a:rPr lang="en-US" altLang="ko-KR" dirty="0" smtClean="0"/>
+              <a:t>Adapter : </a:t>
+            </a:r>
+            <a:r>
+              <a:rPr lang="en-US" altLang="ko-KR" dirty="0" err="1" smtClean="0"/>
+              <a:t>SEnterSchoolInfoAdapter</a:t>
+            </a:r>
+            <a:endParaRPr lang="en-US" altLang="ko-KR" dirty="0" smtClean="0"/>
+          </a:p>
+          <a:p>
+            <a:pPr algn="ctr"/>
+            <a:r>
               <a:rPr lang="ko-KR" altLang="en-US" dirty="0" smtClean="0"/>
-              <a:t>정기홍</a:t>
-            </a:r>
-            <a:r>
-              <a:rPr lang="en-US" altLang="ko-KR" dirty="0" smtClean="0"/>
-              <a:t>_1</a:t>
-            </a:r>
-          </a:p>
-          <a:p>
-            <a:pPr algn="ctr"/>
-            <a:r>
-              <a:rPr lang="ko-KR" altLang="en-US" dirty="0" smtClean="0"/>
-              <a:t>이성수</a:t>
-            </a:r>
-            <a:r>
-              <a:rPr lang="en-US" altLang="ko-KR" dirty="0" smtClean="0"/>
-              <a:t>_2</a:t>
+              <a:t>안용찬</a:t>
             </a:r>
             <a:endParaRPr lang="ko-KR" altLang="en-US" dirty="0"/>
           </a:p>
@@ -16073,24 +16053,22 @@
           <a:p>
             <a:pPr algn="ctr"/>
             <a:r>
+              <a:rPr lang="en-US" altLang="ko-KR" dirty="0" smtClean="0"/>
+              <a:t>Adapter : </a:t>
+            </a:r>
+            <a:r>
+              <a:rPr lang="en-US" altLang="ko-KR" dirty="0" err="1" smtClean="0"/>
+              <a:t>SQNAAdapter</a:t>
+            </a:r>
+            <a:endParaRPr lang="en-US" altLang="ko-KR" dirty="0" smtClean="0"/>
+          </a:p>
+          <a:p>
+            <a:pPr algn="ctr"/>
+            <a:r>
               <a:rPr lang="ko-KR" altLang="en-US" dirty="0" smtClean="0"/>
-              <a:t>한상현</a:t>
-            </a:r>
-            <a:r>
-              <a:rPr lang="en-US" altLang="ko-KR" dirty="0" smtClean="0"/>
-              <a:t>_1</a:t>
-            </a:r>
-          </a:p>
-          <a:p>
-            <a:pPr algn="ctr"/>
-            <a:r>
-              <a:rPr lang="ko-KR" altLang="en-US" dirty="0" smtClean="0"/>
-              <a:t>김찬중</a:t>
-            </a:r>
-            <a:r>
-              <a:rPr lang="en-US" altLang="ko-KR" dirty="0" smtClean="0"/>
-              <a:t>_2</a:t>
-            </a:r>
+              <a:t>양희석</a:t>
+            </a:r>
+            <a:endParaRPr lang="en-US" altLang="ko-KR" dirty="0" smtClean="0"/>
           </a:p>
         </p:txBody>
       </p:sp>
@@ -16410,7 +16388,7 @@
   <a:extraClrSchemeLst/>
   <a:extLst>
     <a:ext uri="{05A4C25C-085E-4340-85A3-A5531E510DB2}">
-      <thm15:themeFamily xmlns:thm15="http://schemas.microsoft.com/office/thememl/2012/main" xmlns="" name="Office Theme" id="{62F939B6-93AF-4DB8-9C6B-D6C7DFDC589F}" vid="{4A3C46E8-61CC-4603-A589-7422A47A8E4A}"/>
+      <thm15:themeFamily xmlns="" xmlns:thm15="http://schemas.microsoft.com/office/thememl/2012/main" name="Office Theme" id="{62F939B6-93AF-4DB8-9C6B-D6C7DFDC589F}" vid="{4A3C46E8-61CC-4603-A589-7422A47A8E4A}"/>
     </a:ext>
   </a:extLst>
 </a:theme>

--- a/app/src/main/assets/어플_스토리보드.pptx
+++ b/app/src/main/assets/어플_스토리보드.pptx
@@ -203,7 +203,7 @@
           <a:p>
             <a:fld id="{F4847EC4-2D9C-48E1-930B-24A5E7588719}" type="datetimeFigureOut">
               <a:rPr lang="ko-KR" altLang="en-US" smtClean="0"/>
-              <a:t>2016-11-22</a:t>
+              <a:t>16. 12. 14.</a:t>
             </a:fld>
             <a:endParaRPr lang="ko-KR" altLang="en-US"/>
           </a:p>
@@ -1526,7 +1526,7 @@
           <a:p>
             <a:fld id="{DBE2C61E-289A-41F6-A129-12A884F40D14}" type="datetimeFigureOut">
               <a:rPr lang="ko-KR" altLang="en-US" smtClean="0"/>
-              <a:t>2016-11-22</a:t>
+              <a:t>16. 12. 14.</a:t>
             </a:fld>
             <a:endParaRPr lang="ko-KR" altLang="en-US"/>
           </a:p>
@@ -1696,7 +1696,7 @@
           <a:p>
             <a:fld id="{DBE2C61E-289A-41F6-A129-12A884F40D14}" type="datetimeFigureOut">
               <a:rPr lang="ko-KR" altLang="en-US" smtClean="0"/>
-              <a:t>2016-11-22</a:t>
+              <a:t>16. 12. 14.</a:t>
             </a:fld>
             <a:endParaRPr lang="ko-KR" altLang="en-US"/>
           </a:p>
@@ -1876,7 +1876,7 @@
           <a:p>
             <a:fld id="{DBE2C61E-289A-41F6-A129-12A884F40D14}" type="datetimeFigureOut">
               <a:rPr lang="ko-KR" altLang="en-US" smtClean="0"/>
-              <a:t>2016-11-22</a:t>
+              <a:t>16. 12. 14.</a:t>
             </a:fld>
             <a:endParaRPr lang="ko-KR" altLang="en-US"/>
           </a:p>
@@ -2046,7 +2046,7 @@
           <a:p>
             <a:fld id="{DBE2C61E-289A-41F6-A129-12A884F40D14}" type="datetimeFigureOut">
               <a:rPr lang="ko-KR" altLang="en-US" smtClean="0"/>
-              <a:t>2016-11-22</a:t>
+              <a:t>16. 12. 14.</a:t>
             </a:fld>
             <a:endParaRPr lang="ko-KR" altLang="en-US"/>
           </a:p>
@@ -2290,7 +2290,7 @@
           <a:p>
             <a:fld id="{DBE2C61E-289A-41F6-A129-12A884F40D14}" type="datetimeFigureOut">
               <a:rPr lang="ko-KR" altLang="en-US" smtClean="0"/>
-              <a:t>2016-11-22</a:t>
+              <a:t>16. 12. 14.</a:t>
             </a:fld>
             <a:endParaRPr lang="ko-KR" altLang="en-US"/>
           </a:p>
@@ -2522,7 +2522,7 @@
           <a:p>
             <a:fld id="{DBE2C61E-289A-41F6-A129-12A884F40D14}" type="datetimeFigureOut">
               <a:rPr lang="ko-KR" altLang="en-US" smtClean="0"/>
-              <a:t>2016-11-22</a:t>
+              <a:t>16. 12. 14.</a:t>
             </a:fld>
             <a:endParaRPr lang="ko-KR" altLang="en-US"/>
           </a:p>
@@ -2889,7 +2889,7 @@
           <a:p>
             <a:fld id="{DBE2C61E-289A-41F6-A129-12A884F40D14}" type="datetimeFigureOut">
               <a:rPr lang="ko-KR" altLang="en-US" smtClean="0"/>
-              <a:t>2016-11-22</a:t>
+              <a:t>16. 12. 14.</a:t>
             </a:fld>
             <a:endParaRPr lang="ko-KR" altLang="en-US"/>
           </a:p>
@@ -3007,7 +3007,7 @@
           <a:p>
             <a:fld id="{DBE2C61E-289A-41F6-A129-12A884F40D14}" type="datetimeFigureOut">
               <a:rPr lang="ko-KR" altLang="en-US" smtClean="0"/>
-              <a:t>2016-11-22</a:t>
+              <a:t>16. 12. 14.</a:t>
             </a:fld>
             <a:endParaRPr lang="ko-KR" altLang="en-US"/>
           </a:p>
@@ -3102,7 +3102,7 @@
           <a:p>
             <a:fld id="{DBE2C61E-289A-41F6-A129-12A884F40D14}" type="datetimeFigureOut">
               <a:rPr lang="ko-KR" altLang="en-US" smtClean="0"/>
-              <a:t>2016-11-22</a:t>
+              <a:t>16. 12. 14.</a:t>
             </a:fld>
             <a:endParaRPr lang="ko-KR" altLang="en-US"/>
           </a:p>
@@ -3379,7 +3379,7 @@
           <a:p>
             <a:fld id="{DBE2C61E-289A-41F6-A129-12A884F40D14}" type="datetimeFigureOut">
               <a:rPr lang="ko-KR" altLang="en-US" smtClean="0"/>
-              <a:t>2016-11-22</a:t>
+              <a:t>16. 12. 14.</a:t>
             </a:fld>
             <a:endParaRPr lang="ko-KR" altLang="en-US"/>
           </a:p>
@@ -3636,7 +3636,7 @@
           <a:p>
             <a:fld id="{DBE2C61E-289A-41F6-A129-12A884F40D14}" type="datetimeFigureOut">
               <a:rPr lang="ko-KR" altLang="en-US" smtClean="0"/>
-              <a:t>2016-11-22</a:t>
+              <a:t>16. 12. 14.</a:t>
             </a:fld>
             <a:endParaRPr lang="ko-KR" altLang="en-US"/>
           </a:p>
@@ -3849,7 +3849,7 @@
           <a:p>
             <a:fld id="{DBE2C61E-289A-41F6-A129-12A884F40D14}" type="datetimeFigureOut">
               <a:rPr lang="ko-KR" altLang="en-US" smtClean="0"/>
-              <a:t>2016-11-22</a:t>
+              <a:t>16. 12. 14.</a:t>
             </a:fld>
             <a:endParaRPr lang="ko-KR" altLang="en-US"/>
           </a:p>
@@ -4406,7 +4406,7 @@
   <p:timing>
     <p:tnLst>
       <p:par>
-        <p:cTn id="1" dur="indefinite" restart="never" nodeType="tmRoot"/>
+        <p:cTn xmlns:p14="http://schemas.microsoft.com/office/powerpoint/2010/main" id="1" dur="indefinite" restart="never" nodeType="tmRoot"/>
       </p:par>
     </p:tnLst>
   </p:timing>
@@ -5338,8 +5338,8 @@
               <a:t> : </a:t>
             </a:r>
             <a:r>
-              <a:rPr lang="en-US" altLang="ko-KR" dirty="0" err="1" smtClean="0"/>
-              <a:t>SHomeMailData</a:t>
+              <a:rPr lang="en-US" altLang="ko-KR" dirty="0" err="1"/>
+              <a:t>SNoticeData</a:t>
             </a:r>
             <a:endParaRPr lang="en-US" altLang="ko-KR" dirty="0" smtClean="0"/>
           </a:p>
@@ -5400,7 +5400,7 @@
           </a:prstGeom>
           <a:noFill/>
           <a:extLst>
-            <a:ext uri="{909E8E84-426E-40DD-AFC4-6F175D3DCCD1}">
+            <a:ext uri="{909E8E84-426E-40dd-AFC4-6F175D3DCCD1}">
               <a14:hiddenFill xmlns:a14="http://schemas.microsoft.com/office/drawing/2010/main">
                 <a:solidFill>
                   <a:srgbClr val="FFFFFF"/>
@@ -5423,7 +5423,7 @@
   <p:timing>
     <p:tnLst>
       <p:par>
-        <p:cTn id="1" dur="indefinite" restart="never" nodeType="tmRoot"/>
+        <p:cTn xmlns:p14="http://schemas.microsoft.com/office/powerpoint/2010/main" id="1" dur="indefinite" restart="never" nodeType="tmRoot"/>
       </p:par>
     </p:tnLst>
   </p:timing>
@@ -6896,7 +6896,7 @@
             </a:r>
             <a:r>
               <a:rPr lang="en-US" altLang="ko-KR" dirty="0" err="1" smtClean="0"/>
-              <a:t>SGalleryGridViewData</a:t>
+              <a:t>SGalleryData</a:t>
             </a:r>
             <a:endParaRPr lang="en-US" altLang="ko-KR" dirty="0" smtClean="0"/>
           </a:p>
@@ -6922,7 +6922,6 @@
               <a:rPr lang="ko-KR" altLang="en-US" dirty="0"/>
               <a:t>기</a:t>
             </a:r>
-            <a:endParaRPr lang="ko-KR" altLang="en-US" dirty="0"/>
           </a:p>
         </p:txBody>
       </p:sp>
@@ -6939,7 +6938,7 @@
   <p:timing>
     <p:tnLst>
       <p:par>
-        <p:cTn id="1" dur="indefinite" restart="never" nodeType="tmRoot"/>
+        <p:cTn xmlns:p14="http://schemas.microsoft.com/office/powerpoint/2010/main" id="1" dur="indefinite" restart="never" nodeType="tmRoot"/>
       </p:par>
     </p:tnLst>
   </p:timing>
@@ -7775,7 +7774,7 @@
   <p:timing>
     <p:tnLst>
       <p:par>
-        <p:cTn id="1" dur="indefinite" restart="never" nodeType="tmRoot"/>
+        <p:cTn xmlns:p14="http://schemas.microsoft.com/office/powerpoint/2010/main" id="1" dur="indefinite" restart="never" nodeType="tmRoot"/>
       </p:par>
     </p:tnLst>
   </p:timing>
@@ -8761,7 +8760,7 @@
           </a:prstGeom>
           <a:noFill/>
           <a:extLst>
-            <a:ext uri="{909E8E84-426E-40DD-AFC4-6F175D3DCCD1}">
+            <a:ext uri="{909E8E84-426E-40dd-AFC4-6F175D3DCCD1}">
               <a14:hiddenFill xmlns:a14="http://schemas.microsoft.com/office/drawing/2010/main">
                 <a:solidFill>
                   <a:srgbClr val="FFFFFF"/>
@@ -8784,7 +8783,7 @@
   <p:timing>
     <p:tnLst>
       <p:par>
-        <p:cTn id="1" dur="indefinite" restart="never" nodeType="tmRoot"/>
+        <p:cTn xmlns:p14="http://schemas.microsoft.com/office/powerpoint/2010/main" id="1" dur="indefinite" restart="never" nodeType="tmRoot"/>
       </p:par>
     </p:tnLst>
   </p:timing>
@@ -9530,7 +9529,7 @@
           </a:prstGeom>
           <a:noFill/>
           <a:extLst>
-            <a:ext uri="{909E8E84-426E-40DD-AFC4-6F175D3DCCD1}">
+            <a:ext uri="{909E8E84-426E-40dd-AFC4-6F175D3DCCD1}">
               <a14:hiddenFill xmlns:a14="http://schemas.microsoft.com/office/drawing/2010/main">
                 <a:solidFill>
                   <a:srgbClr val="FFFFFF"/>
@@ -9553,7 +9552,7 @@
   <p:timing>
     <p:tnLst>
       <p:par>
-        <p:cTn id="1" dur="indefinite" restart="never" nodeType="tmRoot"/>
+        <p:cTn xmlns:p14="http://schemas.microsoft.com/office/powerpoint/2010/main" id="1" dur="indefinite" restart="never" nodeType="tmRoot"/>
       </p:par>
     </p:tnLst>
   </p:timing>
@@ -10485,8 +10484,8 @@
               <a:t> : </a:t>
             </a:r>
             <a:r>
-              <a:rPr lang="en-US" altLang="ko-KR" dirty="0" err="1" smtClean="0"/>
-              <a:t>SFoodData</a:t>
+              <a:rPr lang="en-US" altLang="ko-KR" dirty="0" err="1"/>
+              <a:t>SNoticeData</a:t>
             </a:r>
             <a:endParaRPr lang="en-US" altLang="ko-KR" dirty="0" smtClean="0"/>
           </a:p>
@@ -10543,7 +10542,7 @@
           </a:prstGeom>
           <a:noFill/>
           <a:extLst>
-            <a:ext uri="{909E8E84-426E-40DD-AFC4-6F175D3DCCD1}">
+            <a:ext uri="{909E8E84-426E-40dd-AFC4-6F175D3DCCD1}">
               <a14:hiddenFill xmlns:a14="http://schemas.microsoft.com/office/drawing/2010/main">
                 <a:solidFill>
                   <a:srgbClr val="FFFFFF"/>
@@ -10566,7 +10565,7 @@
   <p:timing>
     <p:tnLst>
       <p:par>
-        <p:cTn id="1" dur="indefinite" restart="never" nodeType="tmRoot"/>
+        <p:cTn xmlns:p14="http://schemas.microsoft.com/office/powerpoint/2010/main" id="1" dur="indefinite" restart="never" nodeType="tmRoot"/>
       </p:par>
     </p:tnLst>
   </p:timing>
@@ -11540,7 +11539,7 @@
   <p:timing>
     <p:tnLst>
       <p:par>
-        <p:cTn id="1" dur="indefinite" restart="never" nodeType="tmRoot"/>
+        <p:cTn xmlns:p14="http://schemas.microsoft.com/office/powerpoint/2010/main" id="1" dur="indefinite" restart="never" nodeType="tmRoot"/>
       </p:par>
     </p:tnLst>
   </p:timing>
@@ -12661,8 +12660,8 @@
               <a:t> : </a:t>
             </a:r>
             <a:r>
-              <a:rPr lang="en-US" altLang="ko-KR" dirty="0" err="1" smtClean="0"/>
-              <a:t>SApplicationInfoData</a:t>
+              <a:rPr lang="en-US" altLang="ko-KR" dirty="0" err="1"/>
+              <a:t>SNoticeData</a:t>
             </a:r>
             <a:endParaRPr lang="en-US" altLang="ko-KR" dirty="0" smtClean="0"/>
           </a:p>
@@ -12682,11 +12681,7 @@
             <a:pPr algn="ctr"/>
             <a:r>
               <a:rPr lang="ko-KR" altLang="en-US" dirty="0" smtClean="0"/>
-              <a:t>박현</a:t>
-            </a:r>
-            <a:r>
-              <a:rPr lang="ko-KR" altLang="en-US" dirty="0"/>
-              <a:t>기</a:t>
+              <a:t>박현기</a:t>
             </a:r>
             <a:endParaRPr lang="ko-KR" altLang="en-US" dirty="0"/>
           </a:p>
@@ -12723,7 +12718,7 @@
           </a:prstGeom>
           <a:noFill/>
           <a:extLst>
-            <a:ext uri="{909E8E84-426E-40DD-AFC4-6F175D3DCCD1}">
+            <a:ext uri="{909E8E84-426E-40dd-AFC4-6F175D3DCCD1}">
               <a14:hiddenFill xmlns:a14="http://schemas.microsoft.com/office/drawing/2010/main">
                 <a:solidFill>
                   <a:srgbClr val="FFFFFF"/>
@@ -12746,7 +12741,7 @@
   <p:timing>
     <p:tnLst>
       <p:par>
-        <p:cTn id="1" dur="indefinite" restart="never" nodeType="tmRoot"/>
+        <p:cTn xmlns:p14="http://schemas.microsoft.com/office/powerpoint/2010/main" id="1" dur="indefinite" restart="never" nodeType="tmRoot"/>
       </p:par>
     </p:tnLst>
   </p:timing>
@@ -13868,8 +13863,8 @@
               <a:t> : </a:t>
             </a:r>
             <a:r>
-              <a:rPr lang="en-US" altLang="ko-KR" dirty="0" err="1" smtClean="0"/>
-              <a:t>SCompanyInfoData</a:t>
+              <a:rPr lang="en-US" altLang="ko-KR" dirty="0" err="1"/>
+              <a:t>SNoticeData</a:t>
             </a:r>
             <a:endParaRPr lang="en-US" altLang="ko-KR" dirty="0" smtClean="0"/>
           </a:p>
@@ -13926,7 +13921,7 @@
           </a:prstGeom>
           <a:noFill/>
           <a:extLst>
-            <a:ext uri="{909E8E84-426E-40DD-AFC4-6F175D3DCCD1}">
+            <a:ext uri="{909E8E84-426E-40dd-AFC4-6F175D3DCCD1}">
               <a14:hiddenFill xmlns:a14="http://schemas.microsoft.com/office/drawing/2010/main">
                 <a:solidFill>
                   <a:srgbClr val="FFFFFF"/>
@@ -13949,7 +13944,7 @@
   <p:timing>
     <p:tnLst>
       <p:par>
-        <p:cTn id="1" dur="indefinite" restart="never" nodeType="tmRoot"/>
+        <p:cTn xmlns:p14="http://schemas.microsoft.com/office/powerpoint/2010/main" id="1" dur="indefinite" restart="never" nodeType="tmRoot"/>
       </p:par>
     </p:tnLst>
   </p:timing>
@@ -15067,8 +15062,8 @@
               <a:t> : </a:t>
             </a:r>
             <a:r>
-              <a:rPr lang="en-US" altLang="ko-KR" dirty="0" err="1" smtClean="0"/>
-              <a:t>SEnterSchoolInfoData</a:t>
+              <a:rPr lang="en-US" altLang="ko-KR" dirty="0" err="1"/>
+              <a:t>SNoticeData</a:t>
             </a:r>
             <a:endParaRPr lang="en-US" altLang="ko-KR" dirty="0" smtClean="0"/>
           </a:p>
@@ -15125,7 +15120,7 @@
           </a:prstGeom>
           <a:noFill/>
           <a:extLst>
-            <a:ext uri="{909E8E84-426E-40DD-AFC4-6F175D3DCCD1}">
+            <a:ext uri="{909E8E84-426E-40dd-AFC4-6F175D3DCCD1}">
               <a14:hiddenFill xmlns:a14="http://schemas.microsoft.com/office/drawing/2010/main">
                 <a:solidFill>
                   <a:srgbClr val="FFFFFF"/>
@@ -15148,7 +15143,7 @@
   <p:timing>
     <p:tnLst>
       <p:par>
-        <p:cTn id="1" dur="indefinite" restart="never" nodeType="tmRoot"/>
+        <p:cTn xmlns:p14="http://schemas.microsoft.com/office/powerpoint/2010/main" id="1" dur="indefinite" restart="never" nodeType="tmRoot"/>
       </p:par>
     </p:tnLst>
   </p:timing>
@@ -16045,8 +16040,8 @@
               <a:t> : </a:t>
             </a:r>
             <a:r>
-              <a:rPr lang="en-US" altLang="ko-KR" dirty="0" err="1" smtClean="0"/>
-              <a:t>SQNAData</a:t>
+              <a:rPr lang="en-US" altLang="ko-KR" dirty="0" err="1"/>
+              <a:t>SNoticeData</a:t>
             </a:r>
             <a:endParaRPr lang="en-US" altLang="ko-KR" dirty="0" smtClean="0"/>
           </a:p>
@@ -16103,7 +16098,7 @@
           </a:prstGeom>
           <a:noFill/>
           <a:extLst>
-            <a:ext uri="{909E8E84-426E-40DD-AFC4-6F175D3DCCD1}">
+            <a:ext uri="{909E8E84-426E-40dd-AFC4-6F175D3DCCD1}">
               <a14:hiddenFill xmlns:a14="http://schemas.microsoft.com/office/drawing/2010/main">
                 <a:solidFill>
                   <a:srgbClr val="FFFFFF"/>
@@ -16126,7 +16121,7 @@
   <p:timing>
     <p:tnLst>
       <p:par>
-        <p:cTn id="1" dur="indefinite" restart="never" nodeType="tmRoot"/>
+        <p:cTn xmlns:p14="http://schemas.microsoft.com/office/powerpoint/2010/main" id="1" dur="indefinite" restart="never" nodeType="tmRoot"/>
       </p:par>
     </p:tnLst>
   </p:timing>
@@ -16388,7 +16383,7 @@
   <a:extraClrSchemeLst/>
   <a:extLst>
     <a:ext uri="{05A4C25C-085E-4340-85A3-A5531E510DB2}">
-      <thm15:themeFamily xmlns="" xmlns:thm15="http://schemas.microsoft.com/office/thememl/2012/main" name="Office Theme" id="{62F939B6-93AF-4DB8-9C6B-D6C7DFDC589F}" vid="{4A3C46E8-61CC-4603-A589-7422A47A8E4A}"/>
+      <thm15:themeFamily xmlns:thm15="http://schemas.microsoft.com/office/thememl/2012/main" xmlns="" name="Office Theme" id="{62F939B6-93AF-4DB8-9C6B-D6C7DFDC589F}" vid="{4A3C46E8-61CC-4603-A589-7422A47A8E4A}"/>
     </a:ext>
   </a:extLst>
 </a:theme>

--- a/app/src/main/assets/어플_스토리보드.pptx
+++ b/app/src/main/assets/어플_스토리보드.pptx
@@ -5358,12 +5358,8 @@
           <a:p>
             <a:pPr algn="ctr"/>
             <a:r>
-              <a:rPr lang="ko-KR" altLang="en-US" dirty="0" err="1" smtClean="0"/>
-              <a:t>강</a:t>
-            </a:r>
-            <a:r>
-              <a:rPr lang="ko-KR" altLang="en-US" dirty="0" err="1"/>
-              <a:t>찬</a:t>
+              <a:rPr lang="ko-KR" altLang="en-US" dirty="0" smtClean="0"/>
+              <a:t>박현기</a:t>
             </a:r>
             <a:endParaRPr lang="en-US" altLang="ko-KR" dirty="0" smtClean="0"/>
           </a:p>
@@ -6912,17 +6908,6 @@
             </a:r>
             <a:endParaRPr lang="en-US" altLang="ko-KR" dirty="0" smtClean="0"/>
           </a:p>
-          <a:p>
-            <a:pPr algn="ctr"/>
-            <a:r>
-              <a:rPr lang="ko-KR" altLang="en-US" dirty="0" smtClean="0"/>
-              <a:t>박현</a:t>
-            </a:r>
-            <a:r>
-              <a:rPr lang="ko-KR" altLang="en-US" dirty="0"/>
-              <a:t>기</a:t>
-            </a:r>
-          </a:p>
         </p:txBody>
       </p:sp>
     </p:spTree>
@@ -7744,18 +7729,6 @@
             <a:r>
               <a:rPr lang="en-US" altLang="ko-KR" dirty="0" err="1" smtClean="0"/>
               <a:t>SGallerySingleView</a:t>
-            </a:r>
-            <a:endParaRPr lang="en-US" altLang="ko-KR" dirty="0" smtClean="0"/>
-          </a:p>
-          <a:p>
-            <a:pPr algn="ctr"/>
-            <a:r>
-              <a:rPr lang="ko-KR" altLang="en-US" dirty="0" smtClean="0"/>
-              <a:t>석성</a:t>
-            </a:r>
-            <a:r>
-              <a:rPr lang="ko-KR" altLang="en-US" dirty="0"/>
-              <a:t>희</a:t>
             </a:r>
             <a:endParaRPr lang="en-US" altLang="ko-KR" dirty="0" smtClean="0"/>
           </a:p>
@@ -11514,12 +11487,11 @@
               <a:rPr lang="en-US" altLang="ko-KR" dirty="0" err="1" smtClean="0"/>
               <a:t>SJobAdapter</a:t>
             </a:r>
-            <a:endParaRPr lang="en-US" altLang="ko-KR" dirty="0" smtClean="0"/>
-          </a:p>
-          <a:p>
-            <a:pPr algn="ctr"/>
-            <a:r>
-              <a:rPr lang="ko-KR" altLang="en-US" dirty="0" err="1" smtClean="0"/>
+          </a:p>
+          <a:p>
+            <a:pPr algn="ctr"/>
+            <a:r>
+              <a:rPr lang="ko-KR" altLang="en-US" dirty="0" smtClean="0"/>
               <a:t>강찬</a:t>
             </a:r>
             <a:endParaRPr lang="ko-KR" altLang="en-US" dirty="0"/>
@@ -12676,14 +12648,6 @@
               <a:t>SApplicationInfoAdapter</a:t>
             </a:r>
             <a:endParaRPr lang="en-US" altLang="ko-KR" dirty="0" smtClean="0"/>
-          </a:p>
-          <a:p>
-            <a:pPr algn="ctr"/>
-            <a:r>
-              <a:rPr lang="ko-KR" altLang="en-US" dirty="0" smtClean="0"/>
-              <a:t>박현기</a:t>
-            </a:r>
-            <a:endParaRPr lang="ko-KR" altLang="en-US" dirty="0"/>
           </a:p>
         </p:txBody>
       </p:sp>
@@ -13880,14 +13844,6 @@
             </a:r>
             <a:endParaRPr lang="en-US" altLang="ko-KR" dirty="0" smtClean="0"/>
           </a:p>
-          <a:p>
-            <a:pPr algn="ctr"/>
-            <a:r>
-              <a:rPr lang="ko-KR" altLang="en-US" dirty="0" smtClean="0"/>
-              <a:t>석성희</a:t>
-            </a:r>
-            <a:endParaRPr lang="ko-KR" altLang="en-US" dirty="0"/>
-          </a:p>
         </p:txBody>
       </p:sp>
       <p:pic>
@@ -15079,14 +15035,6 @@
             </a:r>
             <a:endParaRPr lang="en-US" altLang="ko-KR" dirty="0" smtClean="0"/>
           </a:p>
-          <a:p>
-            <a:pPr algn="ctr"/>
-            <a:r>
-              <a:rPr lang="ko-KR" altLang="en-US" dirty="0" smtClean="0"/>
-              <a:t>안용찬</a:t>
-            </a:r>
-            <a:endParaRPr lang="ko-KR" altLang="en-US" dirty="0"/>
-          </a:p>
         </p:txBody>
       </p:sp>
       <p:pic>
@@ -16054,14 +16002,6 @@
             <a:r>
               <a:rPr lang="en-US" altLang="ko-KR" dirty="0" err="1" smtClean="0"/>
               <a:t>SQNAAdapter</a:t>
-            </a:r>
-            <a:endParaRPr lang="en-US" altLang="ko-KR" dirty="0" smtClean="0"/>
-          </a:p>
-          <a:p>
-            <a:pPr algn="ctr"/>
-            <a:r>
-              <a:rPr lang="ko-KR" altLang="en-US" dirty="0" smtClean="0"/>
-              <a:t>양희석</a:t>
             </a:r>
             <a:endParaRPr lang="en-US" altLang="ko-KR" dirty="0" smtClean="0"/>
           </a:p>
@@ -16383,7 +16323,7 @@
   <a:extraClrSchemeLst/>
   <a:extLst>
     <a:ext uri="{05A4C25C-085E-4340-85A3-A5531E510DB2}">
-      <thm15:themeFamily xmlns:thm15="http://schemas.microsoft.com/office/thememl/2012/main" xmlns="" name="Office Theme" id="{62F939B6-93AF-4DB8-9C6B-D6C7DFDC589F}" vid="{4A3C46E8-61CC-4603-A589-7422A47A8E4A}"/>
+      <thm15:themeFamily xmlns="" xmlns:thm15="http://schemas.microsoft.com/office/thememl/2012/main" name="Office Theme" id="{62F939B6-93AF-4DB8-9C6B-D6C7DFDC589F}" vid="{4A3C46E8-61CC-4603-A589-7422A47A8E4A}"/>
     </a:ext>
   </a:extLst>
 </a:theme>
